--- a/ref/cytoweb-architecture.pptx
+++ b/ref/cytoweb-architecture.pptx
@@ -289,7 +289,7 @@
             <a:fld id="{2EF40BE3-AAA9-B947-A315-8E7FE471E5DA}" type="datetimeFigureOut">
               <a:rPr lang="en-US" smtClean="0"/>
               <a:pPr/>
-              <a:t>5/1/12</a:t>
+              <a:t>2/14/13</a:t>
             </a:fld>
             <a:endParaRPr lang="en-US"/>
           </a:p>
@@ -456,7 +456,7 @@
             <a:fld id="{2EF40BE3-AAA9-B947-A315-8E7FE471E5DA}" type="datetimeFigureOut">
               <a:rPr lang="en-US" smtClean="0"/>
               <a:pPr/>
-              <a:t>5/1/12</a:t>
+              <a:t>2/14/13</a:t>
             </a:fld>
             <a:endParaRPr lang="en-US"/>
           </a:p>
@@ -633,7 +633,7 @@
             <a:fld id="{2EF40BE3-AAA9-B947-A315-8E7FE471E5DA}" type="datetimeFigureOut">
               <a:rPr lang="en-US" smtClean="0"/>
               <a:pPr/>
-              <a:t>5/1/12</a:t>
+              <a:t>2/14/13</a:t>
             </a:fld>
             <a:endParaRPr lang="en-US"/>
           </a:p>
@@ -800,7 +800,7 @@
             <a:fld id="{2EF40BE3-AAA9-B947-A315-8E7FE471E5DA}" type="datetimeFigureOut">
               <a:rPr lang="en-US" smtClean="0"/>
               <a:pPr/>
-              <a:t>5/1/12</a:t>
+              <a:t>2/14/13</a:t>
             </a:fld>
             <a:endParaRPr lang="en-US"/>
           </a:p>
@@ -1043,7 +1043,7 @@
             <a:fld id="{2EF40BE3-AAA9-B947-A315-8E7FE471E5DA}" type="datetimeFigureOut">
               <a:rPr lang="en-US" smtClean="0"/>
               <a:pPr/>
-              <a:t>5/1/12</a:t>
+              <a:t>2/14/13</a:t>
             </a:fld>
             <a:endParaRPr lang="en-US"/>
           </a:p>
@@ -1328,7 +1328,7 @@
             <a:fld id="{2EF40BE3-AAA9-B947-A315-8E7FE471E5DA}" type="datetimeFigureOut">
               <a:rPr lang="en-US" smtClean="0"/>
               <a:pPr/>
-              <a:t>5/1/12</a:t>
+              <a:t>2/14/13</a:t>
             </a:fld>
             <a:endParaRPr lang="en-US"/>
           </a:p>
@@ -1747,7 +1747,7 @@
             <a:fld id="{2EF40BE3-AAA9-B947-A315-8E7FE471E5DA}" type="datetimeFigureOut">
               <a:rPr lang="en-US" smtClean="0"/>
               <a:pPr/>
-              <a:t>5/1/12</a:t>
+              <a:t>2/14/13</a:t>
             </a:fld>
             <a:endParaRPr lang="en-US"/>
           </a:p>
@@ -1862,7 +1862,7 @@
             <a:fld id="{2EF40BE3-AAA9-B947-A315-8E7FE471E5DA}" type="datetimeFigureOut">
               <a:rPr lang="en-US" smtClean="0"/>
               <a:pPr/>
-              <a:t>5/1/12</a:t>
+              <a:t>2/14/13</a:t>
             </a:fld>
             <a:endParaRPr lang="en-US"/>
           </a:p>
@@ -1954,7 +1954,7 @@
             <a:fld id="{2EF40BE3-AAA9-B947-A315-8E7FE471E5DA}" type="datetimeFigureOut">
               <a:rPr lang="en-US" smtClean="0"/>
               <a:pPr/>
-              <a:t>5/1/12</a:t>
+              <a:t>2/14/13</a:t>
             </a:fld>
             <a:endParaRPr lang="en-US"/>
           </a:p>
@@ -2228,7 +2228,7 @@
             <a:fld id="{2EF40BE3-AAA9-B947-A315-8E7FE471E5DA}" type="datetimeFigureOut">
               <a:rPr lang="en-US" smtClean="0"/>
               <a:pPr/>
-              <a:t>5/1/12</a:t>
+              <a:t>2/14/13</a:t>
             </a:fld>
             <a:endParaRPr lang="en-US"/>
           </a:p>
@@ -2478,7 +2478,7 @@
             <a:fld id="{2EF40BE3-AAA9-B947-A315-8E7FE471E5DA}" type="datetimeFigureOut">
               <a:rPr lang="en-US" smtClean="0"/>
               <a:pPr/>
-              <a:t>5/1/12</a:t>
+              <a:t>2/14/13</a:t>
             </a:fld>
             <a:endParaRPr lang="en-US"/>
           </a:p>
@@ -2690,7 +2690,7 @@
             <a:fld id="{2EF40BE3-AAA9-B947-A315-8E7FE471E5DA}" type="datetimeFigureOut">
               <a:rPr lang="en-US" smtClean="0"/>
               <a:pPr/>
-              <a:t>5/1/12</a:t>
+              <a:t>2/14/13</a:t>
             </a:fld>
             <a:endParaRPr lang="en-US"/>
           </a:p>
@@ -3333,93 +3333,6 @@
       </p:sp>
       <p:cxnSp>
         <p:nvCxnSpPr>
-          <p:cNvPr id="69" name="Elbow Connector 68"/>
-          <p:cNvCxnSpPr>
-            <a:stCxn id="6" idx="0"/>
-            <a:endCxn id="123" idx="0"/>
-          </p:cNvCxnSpPr>
-          <p:nvPr/>
-        </p:nvCxnSpPr>
-        <p:spPr>
-          <a:xfrm rot="16200000" flipH="1">
-            <a:off x="2406504" y="367645"/>
-            <a:ext cx="1327153" cy="2684611"/>
-          </a:xfrm>
-          <a:prstGeom prst="bentConnector3">
-            <a:avLst>
-              <a:gd name="adj1" fmla="val -17225"/>
-            </a:avLst>
-          </a:prstGeom>
-          <a:ln>
-            <a:solidFill>
-              <a:schemeClr val="accent2">
-                <a:lumMod val="60000"/>
-                <a:lumOff val="40000"/>
-              </a:schemeClr>
-            </a:solidFill>
-            <a:tailEnd type="triangle"/>
-          </a:ln>
-          <a:effectLst/>
-        </p:spPr>
-        <p:style>
-          <a:lnRef idx="2">
-            <a:schemeClr val="accent1"/>
-          </a:lnRef>
-          <a:fillRef idx="0">
-            <a:schemeClr val="accent1"/>
-          </a:fillRef>
-          <a:effectRef idx="1">
-            <a:schemeClr val="accent1"/>
-          </a:effectRef>
-          <a:fontRef idx="minor">
-            <a:schemeClr val="tx1"/>
-          </a:fontRef>
-        </p:style>
-      </p:cxnSp>
-      <p:sp>
-        <p:nvSpPr>
-          <p:cNvPr id="74" name="TextBox 73"/>
-          <p:cNvSpPr txBox="1"/>
-          <p:nvPr/>
-        </p:nvSpPr>
-        <p:spPr>
-          <a:xfrm>
-            <a:off x="1748567" y="497821"/>
-            <a:ext cx="2685351" cy="369332"/>
-          </a:xfrm>
-          <a:prstGeom prst="rect">
-            <a:avLst/>
-          </a:prstGeom>
-          <a:noFill/>
-        </p:spPr>
-        <p:txBody>
-          <a:bodyPr wrap="none" rtlCol="0">
-            <a:spAutoFit/>
-          </a:bodyPr>
-          <a:lstStyle/>
-          <a:p>
-            <a:r>
-              <a:rPr lang="en-US" dirty="0" smtClean="0">
-                <a:solidFill>
-                  <a:schemeClr val="accent2"/>
-                </a:solidFill>
-                <a:latin typeface="Helvetica Neue"/>
-                <a:cs typeface="Helvetica Neue"/>
-              </a:rPr>
-              <a:t>style-based calculations</a:t>
-            </a:r>
-            <a:endParaRPr lang="en-US" dirty="0">
-              <a:solidFill>
-                <a:schemeClr val="accent2"/>
-              </a:solidFill>
-              <a:latin typeface="Helvetica Neue"/>
-              <a:cs typeface="Helvetica Neue"/>
-            </a:endParaRPr>
-          </a:p>
-        </p:txBody>
-      </p:sp>
-      <p:cxnSp>
-        <p:nvCxnSpPr>
           <p:cNvPr id="76" name="Elbow Connector 75"/>
           <p:cNvCxnSpPr>
             <a:stCxn id="123" idx="1"/>
@@ -3856,7 +3769,7 @@
         <p:spPr>
           <a:xfrm>
             <a:off x="371296" y="87270"/>
-            <a:ext cx="2223686" cy="369332"/>
+            <a:ext cx="1955134" cy="369332"/>
           </a:xfrm>
           <a:prstGeom prst="rect">
             <a:avLst/>
@@ -3874,7 +3787,7 @@
                 <a:latin typeface="Helvetica Neue"/>
                 <a:cs typeface="Helvetica Neue"/>
               </a:rPr>
-              <a:t>CYTOSCAPE WEB</a:t>
+              <a:t>CYTOSCAPE.JS</a:t>
             </a:r>
             <a:endParaRPr lang="en-US" b="1" dirty="0">
               <a:latin typeface="Helvetica Neue"/>
@@ -3946,14 +3859,7 @@
                 <a:latin typeface="Helvetica Neue"/>
                 <a:cs typeface="Helvetica Neue"/>
               </a:rPr>
-              <a:t> </a:t>
-            </a:r>
-            <a:r>
-              <a:rPr lang="en-US" b="1" dirty="0" smtClean="0">
-                <a:latin typeface="Helvetica Neue"/>
-                <a:cs typeface="Helvetica Neue"/>
-              </a:rPr>
-              <a:t>PARTY</a:t>
+              <a:t> PARTY</a:t>
             </a:r>
           </a:p>
           <a:p>
@@ -4051,19 +3957,7 @@
                 <a:latin typeface="Helvetica Neue"/>
                 <a:cs typeface="Helvetica Neue"/>
               </a:rPr>
-              <a:t>r</a:t>
-            </a:r>
-            <a:r>
-              <a:rPr lang="en-US" dirty="0" smtClean="0">
-                <a:solidFill>
-                  <a:schemeClr val="accent5">
-                    <a:lumMod val="75000"/>
-                  </a:schemeClr>
-                </a:solidFill>
-                <a:latin typeface="Helvetica Neue"/>
-                <a:cs typeface="Helvetica Neue"/>
-              </a:rPr>
-              <a:t>egister with</a:t>
+              <a:t>register with</a:t>
             </a:r>
             <a:endParaRPr lang="en-US" dirty="0">
               <a:solidFill>
@@ -4187,14 +4081,7 @@
                 <a:latin typeface="Helvetica Neue"/>
                 <a:cs typeface="Helvetica Neue"/>
               </a:rPr>
-              <a:t> </a:t>
-            </a:r>
-            <a:r>
-              <a:rPr lang="en-US" b="1" dirty="0" smtClean="0">
-                <a:latin typeface="Helvetica Neue"/>
-                <a:cs typeface="Helvetica Neue"/>
-              </a:rPr>
-              <a:t>PARTY</a:t>
+              <a:t> PARTY</a:t>
             </a:r>
           </a:p>
           <a:p>
